--- a/Presentation.pptx
+++ b/Presentation.pptx
@@ -7,24 +7,22 @@
     <p:sldMasterId id="2147483688" r:id="rId6"/>
   </p:sldMasterIdLst>
   <p:notesMasterIdLst>
-    <p:notesMasterId r:id="rId22"/>
+    <p:notesMasterId r:id="rId20"/>
   </p:notesMasterIdLst>
   <p:sldIdLst>
     <p:sldId id="622" r:id="rId7"/>
-    <p:sldId id="623" r:id="rId8"/>
-    <p:sldId id="624" r:id="rId9"/>
-    <p:sldId id="626" r:id="rId10"/>
-    <p:sldId id="627" r:id="rId11"/>
-    <p:sldId id="625" r:id="rId12"/>
-    <p:sldId id="628" r:id="rId13"/>
-    <p:sldId id="630" r:id="rId14"/>
-    <p:sldId id="631" r:id="rId15"/>
-    <p:sldId id="634" r:id="rId16"/>
-    <p:sldId id="635" r:id="rId17"/>
-    <p:sldId id="632" r:id="rId18"/>
-    <p:sldId id="629" r:id="rId19"/>
-    <p:sldId id="633" r:id="rId20"/>
-    <p:sldId id="636" r:id="rId21"/>
+    <p:sldId id="626" r:id="rId8"/>
+    <p:sldId id="627" r:id="rId9"/>
+    <p:sldId id="625" r:id="rId10"/>
+    <p:sldId id="628" r:id="rId11"/>
+    <p:sldId id="630" r:id="rId12"/>
+    <p:sldId id="631" r:id="rId13"/>
+    <p:sldId id="634" r:id="rId14"/>
+    <p:sldId id="635" r:id="rId15"/>
+    <p:sldId id="632" r:id="rId16"/>
+    <p:sldId id="629" r:id="rId17"/>
+    <p:sldId id="633" r:id="rId18"/>
+    <p:sldId id="636" r:id="rId19"/>
   </p:sldIdLst>
   <p:sldSz cx="12192000" cy="6858000"/>
   <p:notesSz cx="6858000" cy="9144000"/>
@@ -6501,7 +6499,7 @@
           <a:p>
             <a:fld id="{0F8DB42E-F5AE-4BEE-AE78-D203235ACF85}" type="slidenum">
               <a:rPr lang="en-US" smtClean="0"/>
-              <a:t>14</a:t>
+              <a:t>12</a:t>
             </a:fld>
             <a:endParaRPr lang="en-US" dirty="0"/>
           </a:p>
@@ -13179,349 +13177,6 @@
 </file>
 
 <file path=ppt/slides/slide10.xml><?xml version="1.0" encoding="utf-8"?>
-<p:sld xmlns:a="http://schemas.openxmlformats.org/drawingml/2006/main" xmlns:r="http://schemas.openxmlformats.org/officeDocument/2006/relationships" xmlns:p="http://schemas.openxmlformats.org/presentationml/2006/main">
-  <p:cSld>
-    <p:spTree>
-      <p:nvGrpSpPr>
-        <p:cNvPr id="1" name=""/>
-        <p:cNvGrpSpPr/>
-        <p:nvPr/>
-      </p:nvGrpSpPr>
-      <p:grpSpPr>
-        <a:xfrm>
-          <a:off x="0" y="0"/>
-          <a:ext cx="0" cy="0"/>
-          <a:chOff x="0" y="0"/>
-          <a:chExt cx="0" cy="0"/>
-        </a:xfrm>
-      </p:grpSpPr>
-      <p:pic>
-        <p:nvPicPr>
-          <p:cNvPr id="2" name="Picture 1" descr="A picture containing indoor, floor, person, man&#10;&#10;Description automatically generated">
-            <a:extLst>
-              <a:ext uri="{FF2B5EF4-FFF2-40B4-BE49-F238E27FC236}">
-                <a16:creationId xmlns:a16="http://schemas.microsoft.com/office/drawing/2014/main" id="{FB895ADE-F2BE-4373-9C11-981B6212911A}"/>
-              </a:ext>
-            </a:extLst>
-          </p:cNvPr>
-          <p:cNvPicPr>
-            <a:picLocks noChangeAspect="1"/>
-          </p:cNvPicPr>
-          <p:nvPr/>
-        </p:nvPicPr>
-        <p:blipFill rotWithShape="1">
-          <a:blip r:embed="rId2">
-            <a:extLst>
-              <a:ext uri="{28A0092B-C50C-407E-A947-70E740481C1C}">
-                <a14:useLocalDpi xmlns:a14="http://schemas.microsoft.com/office/drawing/2010/main" val="0"/>
-              </a:ext>
-            </a:extLst>
-          </a:blip>
-          <a:srcRect t="29332" b="267"/>
-          <a:stretch/>
-        </p:blipFill>
-        <p:spPr>
-          <a:xfrm>
-            <a:off x="1355594" y="822960"/>
-            <a:ext cx="9151626" cy="4828032"/>
-          </a:xfrm>
-          <a:prstGeom prst="rect">
-            <a:avLst/>
-          </a:prstGeom>
-        </p:spPr>
-      </p:pic>
-      <p:sp>
-        <p:nvSpPr>
-          <p:cNvPr id="3" name="Rectangle 2">
-            <a:extLst>
-              <a:ext uri="{FF2B5EF4-FFF2-40B4-BE49-F238E27FC236}">
-                <a16:creationId xmlns:a16="http://schemas.microsoft.com/office/drawing/2014/main" id="{BA7DFF15-A931-4A23-B1AF-5D1AF53759F1}"/>
-              </a:ext>
-            </a:extLst>
-          </p:cNvPr>
-          <p:cNvSpPr/>
-          <p:nvPr/>
-        </p:nvSpPr>
-        <p:spPr>
-          <a:xfrm>
-            <a:off x="4325112" y="1042416"/>
-            <a:ext cx="3305556" cy="3799332"/>
-          </a:xfrm>
-          <a:prstGeom prst="rect">
-            <a:avLst/>
-          </a:prstGeom>
-          <a:noFill/>
-          <a:ln w="57150">
-            <a:solidFill>
-              <a:schemeClr val="accent3"/>
-            </a:solidFill>
-            <a:prstDash val="dash"/>
-          </a:ln>
-        </p:spPr>
-        <p:style>
-          <a:lnRef idx="2">
-            <a:schemeClr val="accent1">
-              <a:shade val="50000"/>
-            </a:schemeClr>
-          </a:lnRef>
-          <a:fillRef idx="1">
-            <a:schemeClr val="accent1"/>
-          </a:fillRef>
-          <a:effectRef idx="0">
-            <a:schemeClr val="accent1"/>
-          </a:effectRef>
-          <a:fontRef idx="minor">
-            <a:schemeClr val="lt1"/>
-          </a:fontRef>
-        </p:style>
-        <p:txBody>
-          <a:bodyPr rtlCol="0" anchor="ctr"/>
-          <a:lstStyle/>
-          <a:p>
-            <a:pPr algn="ctr"/>
-            <a:endParaRPr lang="en-US"/>
-          </a:p>
-        </p:txBody>
-      </p:sp>
-      <p:sp>
-        <p:nvSpPr>
-          <p:cNvPr id="4" name="Rectangle 3">
-            <a:extLst>
-              <a:ext uri="{FF2B5EF4-FFF2-40B4-BE49-F238E27FC236}">
-                <a16:creationId xmlns:a16="http://schemas.microsoft.com/office/drawing/2014/main" id="{98759241-D96A-4D4C-90D3-352E38EB48D8}"/>
-              </a:ext>
-            </a:extLst>
-          </p:cNvPr>
-          <p:cNvSpPr/>
-          <p:nvPr/>
-        </p:nvSpPr>
-        <p:spPr>
-          <a:xfrm>
-            <a:off x="1355594" y="950976"/>
-            <a:ext cx="9151625" cy="4014216"/>
-          </a:xfrm>
-          <a:prstGeom prst="rect">
-            <a:avLst/>
-          </a:prstGeom>
-          <a:noFill/>
-          <a:ln w="57150">
-            <a:solidFill>
-              <a:schemeClr val="accent3"/>
-            </a:solidFill>
-            <a:prstDash val="solid"/>
-          </a:ln>
-        </p:spPr>
-        <p:style>
-          <a:lnRef idx="2">
-            <a:schemeClr val="accent1">
-              <a:shade val="50000"/>
-            </a:schemeClr>
-          </a:lnRef>
-          <a:fillRef idx="1">
-            <a:schemeClr val="accent1"/>
-          </a:fillRef>
-          <a:effectRef idx="0">
-            <a:schemeClr val="accent1"/>
-          </a:effectRef>
-          <a:fontRef idx="minor">
-            <a:schemeClr val="lt1"/>
-          </a:fontRef>
-        </p:style>
-        <p:txBody>
-          <a:bodyPr rtlCol="0" anchor="ctr"/>
-          <a:lstStyle/>
-          <a:p>
-            <a:pPr algn="ctr"/>
-            <a:endParaRPr lang="en-US"/>
-          </a:p>
-        </p:txBody>
-      </p:sp>
-    </p:spTree>
-    <p:extLst>
-      <p:ext uri="{BB962C8B-B14F-4D97-AF65-F5344CB8AC3E}">
-        <p14:creationId xmlns:p14="http://schemas.microsoft.com/office/powerpoint/2010/main" val="3640131300"/>
-      </p:ext>
-    </p:extLst>
-  </p:cSld>
-  <p:clrMapOvr>
-    <a:masterClrMapping/>
-  </p:clrMapOvr>
-</p:sld>
-</file>
-
-<file path=ppt/slides/slide11.xml><?xml version="1.0" encoding="utf-8"?>
-<p:sld xmlns:a="http://schemas.openxmlformats.org/drawingml/2006/main" xmlns:r="http://schemas.openxmlformats.org/officeDocument/2006/relationships" xmlns:p="http://schemas.openxmlformats.org/presentationml/2006/main">
-  <p:cSld>
-    <p:spTree>
-      <p:nvGrpSpPr>
-        <p:cNvPr id="1" name=""/>
-        <p:cNvGrpSpPr/>
-        <p:nvPr/>
-      </p:nvGrpSpPr>
-      <p:grpSpPr>
-        <a:xfrm>
-          <a:off x="0" y="0"/>
-          <a:ext cx="0" cy="0"/>
-          <a:chOff x="0" y="0"/>
-          <a:chExt cx="0" cy="0"/>
-        </a:xfrm>
-      </p:grpSpPr>
-      <p:pic>
-        <p:nvPicPr>
-          <p:cNvPr id="3" name="Picture 2" descr="A person standing in front of a crowd&#10;&#10;Description automatically generated">
-            <a:extLst>
-              <a:ext uri="{FF2B5EF4-FFF2-40B4-BE49-F238E27FC236}">
-                <a16:creationId xmlns:a16="http://schemas.microsoft.com/office/drawing/2014/main" id="{01D22A1A-EBF5-4F19-B621-184CAFAFB287}"/>
-              </a:ext>
-            </a:extLst>
-          </p:cNvPr>
-          <p:cNvPicPr>
-            <a:picLocks noChangeAspect="1"/>
-          </p:cNvPicPr>
-          <p:nvPr/>
-        </p:nvPicPr>
-        <p:blipFill>
-          <a:blip r:embed="rId2">
-            <a:extLst>
-              <a:ext uri="{28A0092B-C50C-407E-A947-70E740481C1C}">
-                <a14:useLocalDpi xmlns:a14="http://schemas.microsoft.com/office/drawing/2010/main" val="0"/>
-              </a:ext>
-            </a:extLst>
-          </a:blip>
-          <a:stretch>
-            <a:fillRect/>
-          </a:stretch>
-        </p:blipFill>
-        <p:spPr>
-          <a:xfrm>
-            <a:off x="1681277" y="448056"/>
-            <a:ext cx="9108643" cy="5692902"/>
-          </a:xfrm>
-          <a:prstGeom prst="rect">
-            <a:avLst/>
-          </a:prstGeom>
-        </p:spPr>
-      </p:pic>
-      <p:sp>
-        <p:nvSpPr>
-          <p:cNvPr id="4" name="Rectangle 3">
-            <a:extLst>
-              <a:ext uri="{FF2B5EF4-FFF2-40B4-BE49-F238E27FC236}">
-                <a16:creationId xmlns:a16="http://schemas.microsoft.com/office/drawing/2014/main" id="{87E7B074-7D70-4069-A903-F76DFFDFCD6D}"/>
-              </a:ext>
-            </a:extLst>
-          </p:cNvPr>
-          <p:cNvSpPr/>
-          <p:nvPr/>
-        </p:nvSpPr>
-        <p:spPr>
-          <a:xfrm>
-            <a:off x="3200400" y="448056"/>
-            <a:ext cx="3360420" cy="3913632"/>
-          </a:xfrm>
-          <a:prstGeom prst="rect">
-            <a:avLst/>
-          </a:prstGeom>
-          <a:noFill/>
-          <a:ln w="57150">
-            <a:solidFill>
-              <a:schemeClr val="accent3"/>
-            </a:solidFill>
-            <a:prstDash val="dash"/>
-          </a:ln>
-        </p:spPr>
-        <p:style>
-          <a:lnRef idx="2">
-            <a:schemeClr val="accent1">
-              <a:shade val="50000"/>
-            </a:schemeClr>
-          </a:lnRef>
-          <a:fillRef idx="1">
-            <a:schemeClr val="accent1"/>
-          </a:fillRef>
-          <a:effectRef idx="0">
-            <a:schemeClr val="accent1"/>
-          </a:effectRef>
-          <a:fontRef idx="minor">
-            <a:schemeClr val="lt1"/>
-          </a:fontRef>
-        </p:style>
-        <p:txBody>
-          <a:bodyPr rtlCol="0" anchor="ctr"/>
-          <a:lstStyle/>
-          <a:p>
-            <a:pPr algn="ctr"/>
-            <a:endParaRPr lang="en-US"/>
-          </a:p>
-        </p:txBody>
-      </p:sp>
-      <p:sp>
-        <p:nvSpPr>
-          <p:cNvPr id="6" name="Rectangle 5">
-            <a:extLst>
-              <a:ext uri="{FF2B5EF4-FFF2-40B4-BE49-F238E27FC236}">
-                <a16:creationId xmlns:a16="http://schemas.microsoft.com/office/drawing/2014/main" id="{C4F901C8-B47F-4CEA-856D-3E85404708EC}"/>
-              </a:ext>
-            </a:extLst>
-          </p:cNvPr>
-          <p:cNvSpPr/>
-          <p:nvPr/>
-        </p:nvSpPr>
-        <p:spPr>
-          <a:xfrm>
-            <a:off x="2703576" y="448056"/>
-            <a:ext cx="4282440" cy="5692902"/>
-          </a:xfrm>
-          <a:prstGeom prst="rect">
-            <a:avLst/>
-          </a:prstGeom>
-          <a:noFill/>
-          <a:ln w="57150">
-            <a:solidFill>
-              <a:schemeClr val="accent3"/>
-            </a:solidFill>
-            <a:prstDash val="solid"/>
-          </a:ln>
-        </p:spPr>
-        <p:style>
-          <a:lnRef idx="2">
-            <a:schemeClr val="accent1">
-              <a:shade val="50000"/>
-            </a:schemeClr>
-          </a:lnRef>
-          <a:fillRef idx="1">
-            <a:schemeClr val="accent1"/>
-          </a:fillRef>
-          <a:effectRef idx="0">
-            <a:schemeClr val="accent1"/>
-          </a:effectRef>
-          <a:fontRef idx="minor">
-            <a:schemeClr val="lt1"/>
-          </a:fontRef>
-        </p:style>
-        <p:txBody>
-          <a:bodyPr rtlCol="0" anchor="ctr"/>
-          <a:lstStyle/>
-          <a:p>
-            <a:pPr algn="ctr"/>
-            <a:endParaRPr lang="en-US"/>
-          </a:p>
-        </p:txBody>
-      </p:sp>
-    </p:spTree>
-    <p:extLst>
-      <p:ext uri="{BB962C8B-B14F-4D97-AF65-F5344CB8AC3E}">
-        <p14:creationId xmlns:p14="http://schemas.microsoft.com/office/powerpoint/2010/main" val="2464973882"/>
-      </p:ext>
-    </p:extLst>
-  </p:cSld>
-  <p:clrMapOvr>
-    <a:masterClrMapping/>
-  </p:clrMapOvr>
-</p:sld>
-</file>
-
-<file path=ppt/slides/slide12.xml><?xml version="1.0" encoding="utf-8"?>
 <p:sld xmlns:a="http://schemas.openxmlformats.org/drawingml/2006/main" xmlns:r="http://schemas.openxmlformats.org/officeDocument/2006/relationships" xmlns:p="http://schemas.openxmlformats.org/presentationml/2006/main" show="0">
   <p:cSld>
     <p:spTree>
@@ -13748,7 +13403,7 @@
 </p:sld>
 </file>
 
-<file path=ppt/slides/slide13.xml><?xml version="1.0" encoding="utf-8"?>
+<file path=ppt/slides/slide11.xml><?xml version="1.0" encoding="utf-8"?>
 <p:sld xmlns:a="http://schemas.openxmlformats.org/drawingml/2006/main" xmlns:r="http://schemas.openxmlformats.org/officeDocument/2006/relationships" xmlns:p="http://schemas.openxmlformats.org/presentationml/2006/main" show="0">
   <p:cSld>
     <p:spTree>
@@ -13902,7 +13557,7 @@
 </p:sld>
 </file>
 
-<file path=ppt/slides/slide14.xml><?xml version="1.0" encoding="utf-8"?>
+<file path=ppt/slides/slide12.xml><?xml version="1.0" encoding="utf-8"?>
 <p:sld xmlns:a="http://schemas.openxmlformats.org/drawingml/2006/main" xmlns:r="http://schemas.openxmlformats.org/officeDocument/2006/relationships" xmlns:p="http://schemas.openxmlformats.org/presentationml/2006/main">
   <p:cSld>
     <p:spTree>
@@ -14452,7 +14107,7 @@
 </p:sld>
 </file>
 
-<file path=ppt/slides/slide15.xml><?xml version="1.0" encoding="utf-8"?>
+<file path=ppt/slides/slide13.xml><?xml version="1.0" encoding="utf-8"?>
 <p:sld xmlns:a="http://schemas.openxmlformats.org/drawingml/2006/main" xmlns:r="http://schemas.openxmlformats.org/officeDocument/2006/relationships" xmlns:p="http://schemas.openxmlformats.org/presentationml/2006/main">
   <p:cSld>
     <p:spTree>
@@ -15238,166 +14893,6 @@
           <a:chExt cx="0" cy="0"/>
         </a:xfrm>
       </p:grpSpPr>
-      <p:sp>
-        <p:nvSpPr>
-          <p:cNvPr id="2" name="Title 1">
-            <a:extLst>
-              <a:ext uri="{FF2B5EF4-FFF2-40B4-BE49-F238E27FC236}">
-                <a16:creationId xmlns:a16="http://schemas.microsoft.com/office/drawing/2014/main" id="{43ACDD90-8015-4AD3-996E-0E081E50CFA0}"/>
-              </a:ext>
-            </a:extLst>
-          </p:cNvPr>
-          <p:cNvSpPr>
-            <a:spLocks noGrp="1"/>
-          </p:cNvSpPr>
-          <p:nvPr>
-            <p:ph type="title"/>
-          </p:nvPr>
-        </p:nvSpPr>
-        <p:spPr/>
-        <p:txBody>
-          <a:bodyPr/>
-          <a:lstStyle/>
-          <a:p>
-            <a:endParaRPr lang="en-US"/>
-          </a:p>
-        </p:txBody>
-      </p:sp>
-      <p:sp>
-        <p:nvSpPr>
-          <p:cNvPr id="3" name="Text Placeholder 2">
-            <a:extLst>
-              <a:ext uri="{FF2B5EF4-FFF2-40B4-BE49-F238E27FC236}">
-                <a16:creationId xmlns:a16="http://schemas.microsoft.com/office/drawing/2014/main" id="{B9FFCFF3-507D-44F4-A85A-54BB036A1DD2}"/>
-              </a:ext>
-            </a:extLst>
-          </p:cNvPr>
-          <p:cNvSpPr>
-            <a:spLocks noGrp="1"/>
-          </p:cNvSpPr>
-          <p:nvPr>
-            <p:ph type="body" sz="quarter" idx="10"/>
-          </p:nvPr>
-        </p:nvSpPr>
-        <p:spPr/>
-        <p:txBody>
-          <a:bodyPr/>
-          <a:lstStyle/>
-          <a:p>
-            <a:endParaRPr lang="en-US"/>
-          </a:p>
-        </p:txBody>
-      </p:sp>
-    </p:spTree>
-    <p:extLst>
-      <p:ext uri="{BB962C8B-B14F-4D97-AF65-F5344CB8AC3E}">
-        <p14:creationId xmlns:p14="http://schemas.microsoft.com/office/powerpoint/2010/main" val="800806166"/>
-      </p:ext>
-    </p:extLst>
-  </p:cSld>
-  <p:clrMapOvr>
-    <a:masterClrMapping/>
-  </p:clrMapOvr>
-</p:sld>
-</file>
-
-<file path=ppt/slides/slide3.xml><?xml version="1.0" encoding="utf-8"?>
-<p:sld xmlns:a="http://schemas.openxmlformats.org/drawingml/2006/main" xmlns:r="http://schemas.openxmlformats.org/officeDocument/2006/relationships" xmlns:p="http://schemas.openxmlformats.org/presentationml/2006/main">
-  <p:cSld>
-    <p:spTree>
-      <p:nvGrpSpPr>
-        <p:cNvPr id="1" name=""/>
-        <p:cNvGrpSpPr/>
-        <p:nvPr/>
-      </p:nvGrpSpPr>
-      <p:grpSpPr>
-        <a:xfrm>
-          <a:off x="0" y="0"/>
-          <a:ext cx="0" cy="0"/>
-          <a:chOff x="0" y="0"/>
-          <a:chExt cx="0" cy="0"/>
-        </a:xfrm>
-      </p:grpSpPr>
-      <p:sp>
-        <p:nvSpPr>
-          <p:cNvPr id="2" name="Content Placeholder 1">
-            <a:extLst>
-              <a:ext uri="{FF2B5EF4-FFF2-40B4-BE49-F238E27FC236}">
-                <a16:creationId xmlns:a16="http://schemas.microsoft.com/office/drawing/2014/main" id="{C254EF14-E630-4A85-8CA5-806C677FD9B5}"/>
-              </a:ext>
-            </a:extLst>
-          </p:cNvPr>
-          <p:cNvSpPr>
-            <a:spLocks noGrp="1"/>
-          </p:cNvSpPr>
-          <p:nvPr>
-            <p:ph sz="quarter" idx="11"/>
-          </p:nvPr>
-        </p:nvSpPr>
-        <p:spPr/>
-        <p:txBody>
-          <a:bodyPr/>
-          <a:lstStyle/>
-          <a:p>
-            <a:endParaRPr lang="en-US"/>
-          </a:p>
-        </p:txBody>
-      </p:sp>
-      <p:sp>
-        <p:nvSpPr>
-          <p:cNvPr id="3" name="Title 2">
-            <a:extLst>
-              <a:ext uri="{FF2B5EF4-FFF2-40B4-BE49-F238E27FC236}">
-                <a16:creationId xmlns:a16="http://schemas.microsoft.com/office/drawing/2014/main" id="{EE231BD7-7E35-47F3-8114-F1123DC43ACE}"/>
-              </a:ext>
-            </a:extLst>
-          </p:cNvPr>
-          <p:cNvSpPr>
-            <a:spLocks noGrp="1"/>
-          </p:cNvSpPr>
-          <p:nvPr>
-            <p:ph type="title"/>
-          </p:nvPr>
-        </p:nvSpPr>
-        <p:spPr/>
-        <p:txBody>
-          <a:bodyPr/>
-          <a:lstStyle/>
-          <a:p>
-            <a:endParaRPr lang="en-US" dirty="0"/>
-          </a:p>
-        </p:txBody>
-      </p:sp>
-    </p:spTree>
-    <p:extLst>
-      <p:ext uri="{BB962C8B-B14F-4D97-AF65-F5344CB8AC3E}">
-        <p14:creationId xmlns:p14="http://schemas.microsoft.com/office/powerpoint/2010/main" val="4218958792"/>
-      </p:ext>
-    </p:extLst>
-  </p:cSld>
-  <p:clrMapOvr>
-    <a:masterClrMapping/>
-  </p:clrMapOvr>
-</p:sld>
-</file>
-
-<file path=ppt/slides/slide4.xml><?xml version="1.0" encoding="utf-8"?>
-<p:sld xmlns:a="http://schemas.openxmlformats.org/drawingml/2006/main" xmlns:r="http://schemas.openxmlformats.org/officeDocument/2006/relationships" xmlns:p="http://schemas.openxmlformats.org/presentationml/2006/main">
-  <p:cSld>
-    <p:spTree>
-      <p:nvGrpSpPr>
-        <p:cNvPr id="1" name=""/>
-        <p:cNvGrpSpPr/>
-        <p:nvPr/>
-      </p:nvGrpSpPr>
-      <p:grpSpPr>
-        <a:xfrm>
-          <a:off x="0" y="0"/>
-          <a:ext cx="0" cy="0"/>
-          <a:chOff x="0" y="0"/>
-          <a:chExt cx="0" cy="0"/>
-        </a:xfrm>
-      </p:grpSpPr>
       <p:pic>
         <p:nvPicPr>
           <p:cNvPr id="2" name="Picture 1">
@@ -15579,7 +15074,7 @@
 </p:sld>
 </file>
 
-<file path=ppt/slides/slide5.xml><?xml version="1.0" encoding="utf-8"?>
+<file path=ppt/slides/slide3.xml><?xml version="1.0" encoding="utf-8"?>
 <p:sld xmlns:a="http://schemas.openxmlformats.org/drawingml/2006/main" xmlns:r="http://schemas.openxmlformats.org/officeDocument/2006/relationships" xmlns:p="http://schemas.openxmlformats.org/presentationml/2006/main">
   <p:cSld>
     <p:spTree>
@@ -15644,7 +15139,7 @@
 </p:sld>
 </file>
 
-<file path=ppt/slides/slide6.xml><?xml version="1.0" encoding="utf-8"?>
+<file path=ppt/slides/slide4.xml><?xml version="1.0" encoding="utf-8"?>
 <p:sld xmlns:a="http://schemas.openxmlformats.org/drawingml/2006/main" xmlns:r="http://schemas.openxmlformats.org/officeDocument/2006/relationships" xmlns:p="http://schemas.openxmlformats.org/presentationml/2006/main">
   <p:cSld>
     <p:spTree>
@@ -15798,7 +15293,7 @@
 </p:sld>
 </file>
 
-<file path=ppt/slides/slide7.xml><?xml version="1.0" encoding="utf-8"?>
+<file path=ppt/slides/slide5.xml><?xml version="1.0" encoding="utf-8"?>
 <p:sld xmlns:a="http://schemas.openxmlformats.org/drawingml/2006/main" xmlns:r="http://schemas.openxmlformats.org/officeDocument/2006/relationships" xmlns:p="http://schemas.openxmlformats.org/presentationml/2006/main">
   <p:cSld>
     <p:spTree>
@@ -16025,7 +15520,7 @@
 </p:sld>
 </file>
 
-<file path=ppt/slides/slide8.xml><?xml version="1.0" encoding="utf-8"?>
+<file path=ppt/slides/slide6.xml><?xml version="1.0" encoding="utf-8"?>
 <p:sld xmlns:a="http://schemas.openxmlformats.org/drawingml/2006/main" xmlns:r="http://schemas.openxmlformats.org/officeDocument/2006/relationships" xmlns:p="http://schemas.openxmlformats.org/presentationml/2006/main">
   <p:cSld>
     <p:spTree>
@@ -16091,7 +15586,7 @@
 </p:sld>
 </file>
 
-<file path=ppt/slides/slide9.xml><?xml version="1.0" encoding="utf-8"?>
+<file path=ppt/slides/slide7.xml><?xml version="1.0" encoding="utf-8"?>
 <p:sld xmlns:a="http://schemas.openxmlformats.org/drawingml/2006/main" xmlns:r="http://schemas.openxmlformats.org/officeDocument/2006/relationships" xmlns:p="http://schemas.openxmlformats.org/presentationml/2006/main">
   <p:cSld>
     <p:spTree>
@@ -16344,6 +15839,349 @@
     <p:extLst>
       <p:ext uri="{BB962C8B-B14F-4D97-AF65-F5344CB8AC3E}">
         <p14:creationId xmlns:p14="http://schemas.microsoft.com/office/powerpoint/2010/main" val="216608255"/>
+      </p:ext>
+    </p:extLst>
+  </p:cSld>
+  <p:clrMapOvr>
+    <a:masterClrMapping/>
+  </p:clrMapOvr>
+</p:sld>
+</file>
+
+<file path=ppt/slides/slide8.xml><?xml version="1.0" encoding="utf-8"?>
+<p:sld xmlns:a="http://schemas.openxmlformats.org/drawingml/2006/main" xmlns:r="http://schemas.openxmlformats.org/officeDocument/2006/relationships" xmlns:p="http://schemas.openxmlformats.org/presentationml/2006/main">
+  <p:cSld>
+    <p:spTree>
+      <p:nvGrpSpPr>
+        <p:cNvPr id="1" name=""/>
+        <p:cNvGrpSpPr/>
+        <p:nvPr/>
+      </p:nvGrpSpPr>
+      <p:grpSpPr>
+        <a:xfrm>
+          <a:off x="0" y="0"/>
+          <a:ext cx="0" cy="0"/>
+          <a:chOff x="0" y="0"/>
+          <a:chExt cx="0" cy="0"/>
+        </a:xfrm>
+      </p:grpSpPr>
+      <p:pic>
+        <p:nvPicPr>
+          <p:cNvPr id="2" name="Picture 1" descr="A picture containing indoor, floor, person, man&#10;&#10;Description automatically generated">
+            <a:extLst>
+              <a:ext uri="{FF2B5EF4-FFF2-40B4-BE49-F238E27FC236}">
+                <a16:creationId xmlns:a16="http://schemas.microsoft.com/office/drawing/2014/main" id="{FB895ADE-F2BE-4373-9C11-981B6212911A}"/>
+              </a:ext>
+            </a:extLst>
+          </p:cNvPr>
+          <p:cNvPicPr>
+            <a:picLocks noChangeAspect="1"/>
+          </p:cNvPicPr>
+          <p:nvPr/>
+        </p:nvPicPr>
+        <p:blipFill rotWithShape="1">
+          <a:blip r:embed="rId2">
+            <a:extLst>
+              <a:ext uri="{28A0092B-C50C-407E-A947-70E740481C1C}">
+                <a14:useLocalDpi xmlns:a14="http://schemas.microsoft.com/office/drawing/2010/main" val="0"/>
+              </a:ext>
+            </a:extLst>
+          </a:blip>
+          <a:srcRect t="29332" b="267"/>
+          <a:stretch/>
+        </p:blipFill>
+        <p:spPr>
+          <a:xfrm>
+            <a:off x="1355594" y="822960"/>
+            <a:ext cx="9151626" cy="4828032"/>
+          </a:xfrm>
+          <a:prstGeom prst="rect">
+            <a:avLst/>
+          </a:prstGeom>
+        </p:spPr>
+      </p:pic>
+      <p:sp>
+        <p:nvSpPr>
+          <p:cNvPr id="3" name="Rectangle 2">
+            <a:extLst>
+              <a:ext uri="{FF2B5EF4-FFF2-40B4-BE49-F238E27FC236}">
+                <a16:creationId xmlns:a16="http://schemas.microsoft.com/office/drawing/2014/main" id="{BA7DFF15-A931-4A23-B1AF-5D1AF53759F1}"/>
+              </a:ext>
+            </a:extLst>
+          </p:cNvPr>
+          <p:cNvSpPr/>
+          <p:nvPr/>
+        </p:nvSpPr>
+        <p:spPr>
+          <a:xfrm>
+            <a:off x="4325112" y="1042416"/>
+            <a:ext cx="3305556" cy="3799332"/>
+          </a:xfrm>
+          <a:prstGeom prst="rect">
+            <a:avLst/>
+          </a:prstGeom>
+          <a:noFill/>
+          <a:ln w="57150">
+            <a:solidFill>
+              <a:schemeClr val="accent3"/>
+            </a:solidFill>
+            <a:prstDash val="dash"/>
+          </a:ln>
+        </p:spPr>
+        <p:style>
+          <a:lnRef idx="2">
+            <a:schemeClr val="accent1">
+              <a:shade val="50000"/>
+            </a:schemeClr>
+          </a:lnRef>
+          <a:fillRef idx="1">
+            <a:schemeClr val="accent1"/>
+          </a:fillRef>
+          <a:effectRef idx="0">
+            <a:schemeClr val="accent1"/>
+          </a:effectRef>
+          <a:fontRef idx="minor">
+            <a:schemeClr val="lt1"/>
+          </a:fontRef>
+        </p:style>
+        <p:txBody>
+          <a:bodyPr rtlCol="0" anchor="ctr"/>
+          <a:lstStyle/>
+          <a:p>
+            <a:pPr algn="ctr"/>
+            <a:endParaRPr lang="en-US"/>
+          </a:p>
+        </p:txBody>
+      </p:sp>
+      <p:sp>
+        <p:nvSpPr>
+          <p:cNvPr id="4" name="Rectangle 3">
+            <a:extLst>
+              <a:ext uri="{FF2B5EF4-FFF2-40B4-BE49-F238E27FC236}">
+                <a16:creationId xmlns:a16="http://schemas.microsoft.com/office/drawing/2014/main" id="{98759241-D96A-4D4C-90D3-352E38EB48D8}"/>
+              </a:ext>
+            </a:extLst>
+          </p:cNvPr>
+          <p:cNvSpPr/>
+          <p:nvPr/>
+        </p:nvSpPr>
+        <p:spPr>
+          <a:xfrm>
+            <a:off x="1355594" y="950976"/>
+            <a:ext cx="9151625" cy="4014216"/>
+          </a:xfrm>
+          <a:prstGeom prst="rect">
+            <a:avLst/>
+          </a:prstGeom>
+          <a:noFill/>
+          <a:ln w="57150">
+            <a:solidFill>
+              <a:schemeClr val="accent3"/>
+            </a:solidFill>
+            <a:prstDash val="solid"/>
+          </a:ln>
+        </p:spPr>
+        <p:style>
+          <a:lnRef idx="2">
+            <a:schemeClr val="accent1">
+              <a:shade val="50000"/>
+            </a:schemeClr>
+          </a:lnRef>
+          <a:fillRef idx="1">
+            <a:schemeClr val="accent1"/>
+          </a:fillRef>
+          <a:effectRef idx="0">
+            <a:schemeClr val="accent1"/>
+          </a:effectRef>
+          <a:fontRef idx="minor">
+            <a:schemeClr val="lt1"/>
+          </a:fontRef>
+        </p:style>
+        <p:txBody>
+          <a:bodyPr rtlCol="0" anchor="ctr"/>
+          <a:lstStyle/>
+          <a:p>
+            <a:pPr algn="ctr"/>
+            <a:endParaRPr lang="en-US"/>
+          </a:p>
+        </p:txBody>
+      </p:sp>
+    </p:spTree>
+    <p:extLst>
+      <p:ext uri="{BB962C8B-B14F-4D97-AF65-F5344CB8AC3E}">
+        <p14:creationId xmlns:p14="http://schemas.microsoft.com/office/powerpoint/2010/main" val="3640131300"/>
+      </p:ext>
+    </p:extLst>
+  </p:cSld>
+  <p:clrMapOvr>
+    <a:masterClrMapping/>
+  </p:clrMapOvr>
+</p:sld>
+</file>
+
+<file path=ppt/slides/slide9.xml><?xml version="1.0" encoding="utf-8"?>
+<p:sld xmlns:a="http://schemas.openxmlformats.org/drawingml/2006/main" xmlns:r="http://schemas.openxmlformats.org/officeDocument/2006/relationships" xmlns:p="http://schemas.openxmlformats.org/presentationml/2006/main">
+  <p:cSld>
+    <p:spTree>
+      <p:nvGrpSpPr>
+        <p:cNvPr id="1" name=""/>
+        <p:cNvGrpSpPr/>
+        <p:nvPr/>
+      </p:nvGrpSpPr>
+      <p:grpSpPr>
+        <a:xfrm>
+          <a:off x="0" y="0"/>
+          <a:ext cx="0" cy="0"/>
+          <a:chOff x="0" y="0"/>
+          <a:chExt cx="0" cy="0"/>
+        </a:xfrm>
+      </p:grpSpPr>
+      <p:pic>
+        <p:nvPicPr>
+          <p:cNvPr id="3" name="Picture 2" descr="A person standing in front of a crowd&#10;&#10;Description automatically generated">
+            <a:extLst>
+              <a:ext uri="{FF2B5EF4-FFF2-40B4-BE49-F238E27FC236}">
+                <a16:creationId xmlns:a16="http://schemas.microsoft.com/office/drawing/2014/main" id="{01D22A1A-EBF5-4F19-B621-184CAFAFB287}"/>
+              </a:ext>
+            </a:extLst>
+          </p:cNvPr>
+          <p:cNvPicPr>
+            <a:picLocks noChangeAspect="1"/>
+          </p:cNvPicPr>
+          <p:nvPr/>
+        </p:nvPicPr>
+        <p:blipFill>
+          <a:blip r:embed="rId2">
+            <a:extLst>
+              <a:ext uri="{28A0092B-C50C-407E-A947-70E740481C1C}">
+                <a14:useLocalDpi xmlns:a14="http://schemas.microsoft.com/office/drawing/2010/main" val="0"/>
+              </a:ext>
+            </a:extLst>
+          </a:blip>
+          <a:stretch>
+            <a:fillRect/>
+          </a:stretch>
+        </p:blipFill>
+        <p:spPr>
+          <a:xfrm>
+            <a:off x="1681277" y="448056"/>
+            <a:ext cx="9108643" cy="5692902"/>
+          </a:xfrm>
+          <a:prstGeom prst="rect">
+            <a:avLst/>
+          </a:prstGeom>
+        </p:spPr>
+      </p:pic>
+      <p:sp>
+        <p:nvSpPr>
+          <p:cNvPr id="4" name="Rectangle 3">
+            <a:extLst>
+              <a:ext uri="{FF2B5EF4-FFF2-40B4-BE49-F238E27FC236}">
+                <a16:creationId xmlns:a16="http://schemas.microsoft.com/office/drawing/2014/main" id="{87E7B074-7D70-4069-A903-F76DFFDFCD6D}"/>
+              </a:ext>
+            </a:extLst>
+          </p:cNvPr>
+          <p:cNvSpPr/>
+          <p:nvPr/>
+        </p:nvSpPr>
+        <p:spPr>
+          <a:xfrm>
+            <a:off x="3200400" y="448056"/>
+            <a:ext cx="3360420" cy="3913632"/>
+          </a:xfrm>
+          <a:prstGeom prst="rect">
+            <a:avLst/>
+          </a:prstGeom>
+          <a:noFill/>
+          <a:ln w="57150">
+            <a:solidFill>
+              <a:schemeClr val="accent3"/>
+            </a:solidFill>
+            <a:prstDash val="dash"/>
+          </a:ln>
+        </p:spPr>
+        <p:style>
+          <a:lnRef idx="2">
+            <a:schemeClr val="accent1">
+              <a:shade val="50000"/>
+            </a:schemeClr>
+          </a:lnRef>
+          <a:fillRef idx="1">
+            <a:schemeClr val="accent1"/>
+          </a:fillRef>
+          <a:effectRef idx="0">
+            <a:schemeClr val="accent1"/>
+          </a:effectRef>
+          <a:fontRef idx="minor">
+            <a:schemeClr val="lt1"/>
+          </a:fontRef>
+        </p:style>
+        <p:txBody>
+          <a:bodyPr rtlCol="0" anchor="ctr"/>
+          <a:lstStyle/>
+          <a:p>
+            <a:pPr algn="ctr"/>
+            <a:endParaRPr lang="en-US"/>
+          </a:p>
+        </p:txBody>
+      </p:sp>
+      <p:sp>
+        <p:nvSpPr>
+          <p:cNvPr id="6" name="Rectangle 5">
+            <a:extLst>
+              <a:ext uri="{FF2B5EF4-FFF2-40B4-BE49-F238E27FC236}">
+                <a16:creationId xmlns:a16="http://schemas.microsoft.com/office/drawing/2014/main" id="{C4F901C8-B47F-4CEA-856D-3E85404708EC}"/>
+              </a:ext>
+            </a:extLst>
+          </p:cNvPr>
+          <p:cNvSpPr/>
+          <p:nvPr/>
+        </p:nvSpPr>
+        <p:spPr>
+          <a:xfrm>
+            <a:off x="2703576" y="448056"/>
+            <a:ext cx="4282440" cy="5692902"/>
+          </a:xfrm>
+          <a:prstGeom prst="rect">
+            <a:avLst/>
+          </a:prstGeom>
+          <a:noFill/>
+          <a:ln w="57150">
+            <a:solidFill>
+              <a:schemeClr val="accent3"/>
+            </a:solidFill>
+            <a:prstDash val="solid"/>
+          </a:ln>
+        </p:spPr>
+        <p:style>
+          <a:lnRef idx="2">
+            <a:schemeClr val="accent1">
+              <a:shade val="50000"/>
+            </a:schemeClr>
+          </a:lnRef>
+          <a:fillRef idx="1">
+            <a:schemeClr val="accent1"/>
+          </a:fillRef>
+          <a:effectRef idx="0">
+            <a:schemeClr val="accent1"/>
+          </a:effectRef>
+          <a:fontRef idx="minor">
+            <a:schemeClr val="lt1"/>
+          </a:fontRef>
+        </p:style>
+        <p:txBody>
+          <a:bodyPr rtlCol="0" anchor="ctr"/>
+          <a:lstStyle/>
+          <a:p>
+            <a:pPr algn="ctr"/>
+            <a:endParaRPr lang="en-US"/>
+          </a:p>
+        </p:txBody>
+      </p:sp>
+    </p:spTree>
+    <p:extLst>
+      <p:ext uri="{BB962C8B-B14F-4D97-AF65-F5344CB8AC3E}">
+        <p14:creationId xmlns:p14="http://schemas.microsoft.com/office/powerpoint/2010/main" val="2464973882"/>
       </p:ext>
     </p:extLst>
   </p:cSld>
